--- a/Data_Analytics_2018/PPT/Lesson 12 - Data Analytics - GLMs.pptx
+++ b/Data_Analytics_2018/PPT/Lesson 12 - Data Analytics - GLMs.pptx
@@ -2,7 +2,7 @@
 <file path=ppt/presentation.xml><?xml version="1.0" encoding="utf-8"?>
 <p:presentation xmlns:a="http://schemas.openxmlformats.org/drawingml/2006/main" xmlns:r="http://schemas.openxmlformats.org/officeDocument/2006/relationships" xmlns:p="http://schemas.openxmlformats.org/presentationml/2006/main" showSpecialPlsOnTitleSld="0" saveSubsetFonts="1">
   <p:sldMasterIdLst>
-    <p:sldMasterId id="2147483661" r:id="rId1"/>
+    <p:sldMasterId id="2147483674" r:id="rId1"/>
   </p:sldMasterIdLst>
   <p:notesMasterIdLst>
     <p:notesMasterId r:id="rId51"/>
@@ -251,7 +251,7 @@
           <a:p>
             <a:fld id="{12E2E0BF-1E19-48CE-A5B4-11AA1325EE0B}" type="datetimeFigureOut">
               <a:rPr lang="en-US" smtClean="0"/>
-              <a:t>8/1/2018</a:t>
+              <a:t>8/11/2018</a:t>
             </a:fld>
             <a:endParaRPr lang="en-US" dirty="0"/>
           </a:p>
@@ -416,7 +416,7 @@
           <a:p>
             <a:fld id="{B3E6BC81-1184-4954-A4F1-6E56C89D84BE}" type="datetimeFigureOut">
               <a:rPr lang="en-US" smtClean="0"/>
-              <a:t>8/1/2018</a:t>
+              <a:t>8/11/2018</a:t>
             </a:fld>
             <a:endParaRPr lang="en-US" dirty="0"/>
           </a:p>
@@ -816,7 +816,7 @@
         </p:nvSpPr>
         <p:spPr>
           <a:xfrm>
-            <a:off x="152400" y="6443433"/>
+            <a:off x="152400" y="6485768"/>
             <a:ext cx="2743200" cy="365125"/>
           </a:xfrm>
         </p:spPr>
@@ -826,7 +826,7 @@
           <a:p>
             <a:fld id="{A24D462D-0ABF-4F66-AA29-FCADD808DF8B}" type="datetime1">
               <a:rPr lang="en-US" smtClean="0"/>
-              <a:t>8/1/2018</a:t>
+              <a:t>8/11/2018</a:t>
             </a:fld>
             <a:endParaRPr lang="en-US" dirty="0"/>
           </a:p>
@@ -844,7 +844,7 @@
         </p:nvSpPr>
         <p:spPr>
           <a:xfrm>
-            <a:off x="4038600" y="6443434"/>
+            <a:off x="4038600" y="6485769"/>
             <a:ext cx="4114800" cy="365125"/>
           </a:xfrm>
         </p:spPr>
@@ -872,7 +872,7 @@
         </p:nvSpPr>
         <p:spPr>
           <a:xfrm>
-            <a:off x="9361714" y="6443432"/>
+            <a:off x="9361714" y="6485767"/>
             <a:ext cx="2743200" cy="365125"/>
           </a:xfrm>
         </p:spPr>
@@ -891,7 +891,7 @@
     </p:spTree>
     <p:extLst>
       <p:ext uri="{BB962C8B-B14F-4D97-AF65-F5344CB8AC3E}">
-        <p14:creationId xmlns:p14="http://schemas.microsoft.com/office/powerpoint/2010/main" val="4084878645"/>
+        <p14:creationId xmlns:p14="http://schemas.microsoft.com/office/powerpoint/2010/main" val="637137419"/>
       </p:ext>
     </p:extLst>
   </p:cSld>
@@ -1096,7 +1096,7 @@
           <a:p>
             <a:fld id="{E07E8265-18F4-4680-A16E-90ED1CF19BF4}" type="datetime1">
               <a:rPr lang="en-US" smtClean="0"/>
-              <a:t>8/1/2018</a:t>
+              <a:t>8/11/2018</a:t>
             </a:fld>
             <a:endParaRPr lang="en-US" dirty="0"/>
           </a:p>
@@ -1151,7 +1151,7 @@
     </p:spTree>
     <p:extLst>
       <p:ext uri="{BB962C8B-B14F-4D97-AF65-F5344CB8AC3E}">
-        <p14:creationId xmlns:p14="http://schemas.microsoft.com/office/powerpoint/2010/main" val="522737380"/>
+        <p14:creationId xmlns:p14="http://schemas.microsoft.com/office/powerpoint/2010/main" val="3188932877"/>
       </p:ext>
     </p:extLst>
   </p:cSld>
@@ -1273,7 +1273,7 @@
           <a:p>
             <a:fld id="{50A3F95B-AA19-4AF1-8E3F-0C1F80E644D7}" type="datetime1">
               <a:rPr lang="en-US" smtClean="0"/>
-              <a:t>8/1/2018</a:t>
+              <a:t>8/11/2018</a:t>
             </a:fld>
             <a:endParaRPr lang="en-US" dirty="0"/>
           </a:p>
@@ -1328,7 +1328,7 @@
     </p:spTree>
     <p:extLst>
       <p:ext uri="{BB962C8B-B14F-4D97-AF65-F5344CB8AC3E}">
-        <p14:creationId xmlns:p14="http://schemas.microsoft.com/office/powerpoint/2010/main" val="3319775974"/>
+        <p14:creationId xmlns:p14="http://schemas.microsoft.com/office/powerpoint/2010/main" val="150086924"/>
       </p:ext>
     </p:extLst>
   </p:cSld>
@@ -1455,7 +1455,7 @@
           <a:p>
             <a:fld id="{CCDBCEF4-92B1-4F4B-B523-BAFBFD103FD6}" type="datetime1">
               <a:rPr lang="en-US" smtClean="0"/>
-              <a:t>8/1/2018</a:t>
+              <a:t>8/11/2018</a:t>
             </a:fld>
             <a:endParaRPr lang="en-US" dirty="0"/>
           </a:p>
@@ -1510,7 +1510,7 @@
     </p:spTree>
     <p:extLst>
       <p:ext uri="{BB962C8B-B14F-4D97-AF65-F5344CB8AC3E}">
-        <p14:creationId xmlns:p14="http://schemas.microsoft.com/office/powerpoint/2010/main" val="2970754423"/>
+        <p14:creationId xmlns:p14="http://schemas.microsoft.com/office/powerpoint/2010/main" val="1235870465"/>
       </p:ext>
     </p:extLst>
   </p:cSld>
@@ -1681,7 +1681,7 @@
             <a:fld id="{13570084-B57A-493D-8A30-572F2D9F55F8}" type="datetime1">
               <a:rPr lang="en-US" smtClean="0"/>
               <a:pPr/>
-              <a:t>8/1/2018</a:t>
+              <a:t>8/11/2018</a:t>
             </a:fld>
             <a:endParaRPr lang="en-US" dirty="0"/>
           </a:p>
@@ -1761,7 +1761,7 @@
     </p:spTree>
     <p:extLst>
       <p:ext uri="{BB962C8B-B14F-4D97-AF65-F5344CB8AC3E}">
-        <p14:creationId xmlns:p14="http://schemas.microsoft.com/office/powerpoint/2010/main" val="3974533643"/>
+        <p14:creationId xmlns:p14="http://schemas.microsoft.com/office/powerpoint/2010/main" val="1167415479"/>
       </p:ext>
     </p:extLst>
   </p:cSld>
@@ -1887,7 +1887,7 @@
             <a:fld id="{13570084-B57A-493D-8A30-572F2D9F55F8}" type="datetime1">
               <a:rPr lang="en-US" smtClean="0"/>
               <a:pPr/>
-              <a:t>8/1/2018</a:t>
+              <a:t>8/11/2018</a:t>
             </a:fld>
             <a:endParaRPr lang="en-US" dirty="0"/>
           </a:p>
@@ -1967,7 +1967,7 @@
     </p:spTree>
     <p:extLst>
       <p:ext uri="{BB962C8B-B14F-4D97-AF65-F5344CB8AC3E}">
-        <p14:creationId xmlns:p14="http://schemas.microsoft.com/office/powerpoint/2010/main" val="2546989925"/>
+        <p14:creationId xmlns:p14="http://schemas.microsoft.com/office/powerpoint/2010/main" val="2680617005"/>
       </p:ext>
     </p:extLst>
   </p:cSld>
@@ -2166,7 +2166,7 @@
           <a:p>
             <a:fld id="{8F7D0969-017A-4CFD-B470-B6959400D96E}" type="datetime1">
               <a:rPr lang="en-US" smtClean="0"/>
-              <a:t>8/1/2018</a:t>
+              <a:t>8/11/2018</a:t>
             </a:fld>
             <a:endParaRPr lang="en-US" dirty="0"/>
           </a:p>
@@ -2221,7 +2221,7 @@
     </p:spTree>
     <p:extLst>
       <p:ext uri="{BB962C8B-B14F-4D97-AF65-F5344CB8AC3E}">
-        <p14:creationId xmlns:p14="http://schemas.microsoft.com/office/powerpoint/2010/main" val="1385460838"/>
+        <p14:creationId xmlns:p14="http://schemas.microsoft.com/office/powerpoint/2010/main" val="2470628837"/>
       </p:ext>
     </p:extLst>
   </p:cSld>
@@ -2267,6 +2267,7 @@
               <a:rPr lang="en-US"/>
               <a:t>Click to edit Master title style</a:t>
             </a:r>
+            <a:endParaRPr lang="en-US" dirty="0"/>
           </a:p>
         </p:txBody>
       </p:sp>
@@ -2282,8 +2283,8 @@
         </p:nvSpPr>
         <p:spPr>
           <a:xfrm>
-            <a:off x="838200" y="1825625"/>
-            <a:ext cx="5181600" cy="4351338"/>
+            <a:off x="406400" y="1354666"/>
+            <a:ext cx="5613400" cy="5046134"/>
           </a:xfrm>
         </p:spPr>
         <p:txBody>
@@ -2390,8 +2391,8 @@
         </p:nvSpPr>
         <p:spPr>
           <a:xfrm>
-            <a:off x="6172200" y="1825625"/>
-            <a:ext cx="5181600" cy="4351338"/>
+            <a:off x="6172199" y="1354666"/>
+            <a:ext cx="5469467" cy="5046134"/>
           </a:xfrm>
         </p:spPr>
         <p:txBody>
@@ -2431,6 +2432,7 @@
               <a:rPr lang="en-US"/>
               <a:t>Fifth level</a:t>
             </a:r>
+            <a:endParaRPr lang="en-US" dirty="0"/>
           </a:p>
         </p:txBody>
       </p:sp>
@@ -2451,7 +2453,7 @@
           <a:p>
             <a:fld id="{E7244459-F2A5-4FF9-8125-3DD79827DEF5}" type="datetime1">
               <a:rPr lang="en-US" smtClean="0"/>
-              <a:t>8/1/2018</a:t>
+              <a:t>8/11/2018</a:t>
             </a:fld>
             <a:endParaRPr lang="en-US" dirty="0"/>
           </a:p>
@@ -2506,7 +2508,7 @@
     </p:spTree>
     <p:extLst>
       <p:ext uri="{BB962C8B-B14F-4D97-AF65-F5344CB8AC3E}">
-        <p14:creationId xmlns:p14="http://schemas.microsoft.com/office/powerpoint/2010/main" val="24683215"/>
+        <p14:creationId xmlns:p14="http://schemas.microsoft.com/office/powerpoint/2010/main" val="433451363"/>
       </p:ext>
     </p:extLst>
   </p:cSld>
@@ -2545,8 +2547,8 @@
         </p:nvSpPr>
         <p:spPr>
           <a:xfrm>
-            <a:off x="839788" y="161926"/>
-            <a:ext cx="8536439" cy="1325563"/>
+            <a:off x="381000" y="5555"/>
+            <a:ext cx="10151533" cy="1325563"/>
           </a:xfrm>
         </p:spPr>
         <p:txBody>
@@ -2567,17 +2569,17 @@
             <a:spLocks noGrp="1"/>
           </p:cNvSpPr>
           <p:nvPr>
-            <p:ph type="body" idx="1"/>
+            <p:ph type="body" idx="1" hasCustomPrompt="1"/>
           </p:nvPr>
         </p:nvSpPr>
         <p:spPr>
           <a:xfrm>
-            <a:off x="839788" y="1681163"/>
-            <a:ext cx="5157787" cy="823912"/>
+            <a:off x="381000" y="1444096"/>
+            <a:ext cx="5616575" cy="823912"/>
           </a:xfrm>
         </p:spPr>
         <p:txBody>
-          <a:bodyPr anchor="b"/>
+          <a:bodyPr anchor="ctr"/>
           <a:lstStyle>
             <a:lvl1pPr marL="0" indent="0">
               <a:buNone/>
@@ -2619,86 +2621,86 @@
           <a:p>
             <a:pPr lvl="0"/>
             <a:r>
+              <a:rPr lang="en-US" dirty="0"/>
+              <a:t>Click to edit Master text styles</a:t>
+            </a:r>
+          </a:p>
+        </p:txBody>
+      </p:sp>
+      <p:sp>
+        <p:nvSpPr>
+          <p:cNvPr id="4" name="Content Placeholder 3"/>
+          <p:cNvSpPr>
+            <a:spLocks noGrp="1"/>
+          </p:cNvSpPr>
+          <p:nvPr>
+            <p:ph sz="half" idx="2"/>
+          </p:nvPr>
+        </p:nvSpPr>
+        <p:spPr>
+          <a:xfrm>
+            <a:off x="381000" y="2268007"/>
+            <a:ext cx="5616575" cy="4014259"/>
+          </a:xfrm>
+        </p:spPr>
+        <p:txBody>
+          <a:bodyPr/>
+          <a:lstStyle/>
+          <a:p>
+            <a:pPr lvl="0"/>
+            <a:r>
               <a:rPr lang="en-US"/>
               <a:t>Edit Master text styles</a:t>
             </a:r>
           </a:p>
-        </p:txBody>
-      </p:sp>
-      <p:sp>
-        <p:nvSpPr>
-          <p:cNvPr id="4" name="Content Placeholder 3"/>
-          <p:cNvSpPr>
-            <a:spLocks noGrp="1"/>
-          </p:cNvSpPr>
-          <p:nvPr>
-            <p:ph sz="half" idx="2"/>
+          <a:p>
+            <a:pPr lvl="1"/>
+            <a:r>
+              <a:rPr lang="en-US"/>
+              <a:t>Second level</a:t>
+            </a:r>
+          </a:p>
+          <a:p>
+            <a:pPr lvl="2"/>
+            <a:r>
+              <a:rPr lang="en-US"/>
+              <a:t>Third level</a:t>
+            </a:r>
+          </a:p>
+          <a:p>
+            <a:pPr lvl="3"/>
+            <a:r>
+              <a:rPr lang="en-US"/>
+              <a:t>Fourth level</a:t>
+            </a:r>
+          </a:p>
+          <a:p>
+            <a:pPr lvl="4"/>
+            <a:r>
+              <a:rPr lang="en-US"/>
+              <a:t>Fifth level</a:t>
+            </a:r>
+          </a:p>
+        </p:txBody>
+      </p:sp>
+      <p:sp>
+        <p:nvSpPr>
+          <p:cNvPr id="5" name="Text Placeholder 4"/>
+          <p:cNvSpPr>
+            <a:spLocks noGrp="1"/>
+          </p:cNvSpPr>
+          <p:nvPr>
+            <p:ph type="body" sz="quarter" idx="3" hasCustomPrompt="1"/>
           </p:nvPr>
         </p:nvSpPr>
         <p:spPr>
           <a:xfrm>
-            <a:off x="839788" y="2505075"/>
-            <a:ext cx="5157787" cy="3684588"/>
+            <a:off x="6172200" y="1444096"/>
+            <a:ext cx="5638800" cy="823912"/>
           </a:xfrm>
         </p:spPr>
         <p:txBody>
-          <a:bodyPr/>
-          <a:lstStyle/>
-          <a:p>
-            <a:pPr lvl="0"/>
-            <a:r>
-              <a:rPr lang="en-US"/>
-              <a:t>Edit Master text styles</a:t>
-            </a:r>
-          </a:p>
-          <a:p>
-            <a:pPr lvl="1"/>
-            <a:r>
-              <a:rPr lang="en-US"/>
-              <a:t>Second level</a:t>
-            </a:r>
-          </a:p>
-          <a:p>
-            <a:pPr lvl="2"/>
-            <a:r>
-              <a:rPr lang="en-US"/>
-              <a:t>Third level</a:t>
-            </a:r>
-          </a:p>
-          <a:p>
-            <a:pPr lvl="3"/>
-            <a:r>
-              <a:rPr lang="en-US"/>
-              <a:t>Fourth level</a:t>
-            </a:r>
-          </a:p>
-          <a:p>
-            <a:pPr lvl="4"/>
-            <a:r>
-              <a:rPr lang="en-US"/>
-              <a:t>Fifth level</a:t>
-            </a:r>
-          </a:p>
-        </p:txBody>
-      </p:sp>
-      <p:sp>
-        <p:nvSpPr>
-          <p:cNvPr id="5" name="Text Placeholder 4"/>
-          <p:cNvSpPr>
-            <a:spLocks noGrp="1"/>
-          </p:cNvSpPr>
-          <p:nvPr>
-            <p:ph type="body" sz="quarter" idx="3"/>
-          </p:nvPr>
-        </p:nvSpPr>
-        <p:spPr>
-          <a:xfrm>
-            <a:off x="6172200" y="1681163"/>
-            <a:ext cx="5183188" cy="823912"/>
-          </a:xfrm>
-        </p:spPr>
-        <p:txBody>
-          <a:bodyPr anchor="b"/>
+          <a:bodyPr anchor="ctr"/>
           <a:lstStyle>
             <a:lvl1pPr marL="0" indent="0">
               <a:buNone/>
@@ -2740,38 +2742,38 @@
           <a:p>
             <a:pPr lvl="0"/>
             <a:r>
+              <a:rPr lang="en-US" dirty="0"/>
+              <a:t>Click to edit Master text styles</a:t>
+            </a:r>
+          </a:p>
+        </p:txBody>
+      </p:sp>
+      <p:sp>
+        <p:nvSpPr>
+          <p:cNvPr id="6" name="Content Placeholder 5"/>
+          <p:cNvSpPr>
+            <a:spLocks noGrp="1"/>
+          </p:cNvSpPr>
+          <p:nvPr>
+            <p:ph sz="quarter" idx="4"/>
+          </p:nvPr>
+        </p:nvSpPr>
+        <p:spPr>
+          <a:xfrm>
+            <a:off x="6172199" y="2268007"/>
+            <a:ext cx="5616575" cy="4014259"/>
+          </a:xfrm>
+        </p:spPr>
+        <p:txBody>
+          <a:bodyPr/>
+          <a:lstStyle/>
+          <a:p>
+            <a:pPr lvl="0"/>
+            <a:r>
               <a:rPr lang="en-US"/>
               <a:t>Edit Master text styles</a:t>
             </a:r>
           </a:p>
-        </p:txBody>
-      </p:sp>
-      <p:sp>
-        <p:nvSpPr>
-          <p:cNvPr id="6" name="Content Placeholder 5"/>
-          <p:cNvSpPr>
-            <a:spLocks noGrp="1"/>
-          </p:cNvSpPr>
-          <p:nvPr>
-            <p:ph sz="quarter" idx="4"/>
-          </p:nvPr>
-        </p:nvSpPr>
-        <p:spPr>
-          <a:xfrm>
-            <a:off x="6172200" y="2505075"/>
-            <a:ext cx="5183188" cy="3684588"/>
-          </a:xfrm>
-        </p:spPr>
-        <p:txBody>
-          <a:bodyPr/>
-          <a:lstStyle/>
-          <a:p>
-            <a:pPr lvl="0"/>
-            <a:r>
-              <a:rPr lang="en-US"/>
-              <a:t>Edit Master text styles</a:t>
-            </a:r>
-          </a:p>
           <a:p>
             <a:pPr lvl="1"/>
             <a:r>
@@ -2819,7 +2821,7 @@
           <a:p>
             <a:fld id="{B3A53202-F90A-473F-9577-0694CB3DE811}" type="datetime1">
               <a:rPr lang="en-US" smtClean="0"/>
-              <a:t>8/1/2018</a:t>
+              <a:t>8/11/2018</a:t>
             </a:fld>
             <a:endParaRPr lang="en-US" dirty="0"/>
           </a:p>
@@ -2874,7 +2876,7 @@
     </p:spTree>
     <p:extLst>
       <p:ext uri="{BB962C8B-B14F-4D97-AF65-F5344CB8AC3E}">
-        <p14:creationId xmlns:p14="http://schemas.microsoft.com/office/powerpoint/2010/main" val="3793214912"/>
+        <p14:creationId xmlns:p14="http://schemas.microsoft.com/office/powerpoint/2010/main" val="847650664"/>
       </p:ext>
     </p:extLst>
   </p:cSld>
@@ -2954,7 +2956,7 @@
             <a:fld id="{64FA1387-E9BD-4269-B052-15A23CD1D16B}" type="datetime1">
               <a:rPr lang="en-US" smtClean="0"/>
               <a:pPr/>
-              <a:t>8/1/2018</a:t>
+              <a:t>8/11/2018</a:t>
             </a:fld>
             <a:endParaRPr lang="en-US" dirty="0"/>
           </a:p>
@@ -3034,7 +3036,7 @@
     </p:spTree>
     <p:extLst>
       <p:ext uri="{BB962C8B-B14F-4D97-AF65-F5344CB8AC3E}">
-        <p14:creationId xmlns:p14="http://schemas.microsoft.com/office/powerpoint/2010/main" val="423716763"/>
+        <p14:creationId xmlns:p14="http://schemas.microsoft.com/office/powerpoint/2010/main" val="221108339"/>
       </p:ext>
     </p:extLst>
   </p:cSld>
@@ -3078,7 +3080,7 @@
           <a:p>
             <a:fld id="{A197E209-8033-4044-BA05-35D0B8A61D52}" type="datetime1">
               <a:rPr lang="en-US" smtClean="0"/>
-              <a:t>8/1/2018</a:t>
+              <a:t>8/11/2018</a:t>
             </a:fld>
             <a:endParaRPr lang="en-US" dirty="0"/>
           </a:p>
@@ -3133,7 +3135,7 @@
     </p:spTree>
     <p:extLst>
       <p:ext uri="{BB962C8B-B14F-4D97-AF65-F5344CB8AC3E}">
-        <p14:creationId xmlns:p14="http://schemas.microsoft.com/office/powerpoint/2010/main" val="2237165164"/>
+        <p14:creationId xmlns:p14="http://schemas.microsoft.com/office/powerpoint/2010/main" val="704442559"/>
       </p:ext>
     </p:extLst>
   </p:cSld>
@@ -3357,7 +3359,7 @@
           <a:p>
             <a:fld id="{488CFC0E-11F7-458D-9C54-1B7C7C814EDD}" type="datetime1">
               <a:rPr lang="en-US" smtClean="0"/>
-              <a:t>8/1/2018</a:t>
+              <a:t>8/11/2018</a:t>
             </a:fld>
             <a:endParaRPr lang="en-US" dirty="0"/>
           </a:p>
@@ -3412,7 +3414,7 @@
     </p:spTree>
     <p:extLst>
       <p:ext uri="{BB962C8B-B14F-4D97-AF65-F5344CB8AC3E}">
-        <p14:creationId xmlns:p14="http://schemas.microsoft.com/office/powerpoint/2010/main" val="3832039362"/>
+        <p14:creationId xmlns:p14="http://schemas.microsoft.com/office/powerpoint/2010/main" val="3927439530"/>
       </p:ext>
     </p:extLst>
   </p:cSld>
@@ -3589,8 +3591,8 @@
         </p:nvSpPr>
         <p:spPr>
           <a:xfrm>
-            <a:off x="406400" y="91440"/>
-            <a:ext cx="11393714" cy="1234123"/>
+            <a:off x="406400" y="6770"/>
+            <a:ext cx="10049933" cy="1234123"/>
           </a:xfrm>
           <a:prstGeom prst="rect">
             <a:avLst/>
@@ -3621,8 +3623,8 @@
         </p:nvSpPr>
         <p:spPr>
           <a:xfrm>
-            <a:off x="406400" y="1489166"/>
-            <a:ext cx="11393714" cy="4687797"/>
+            <a:off x="406400" y="1337187"/>
+            <a:ext cx="11393714" cy="5064803"/>
           </a:xfrm>
           <a:prstGeom prst="rect">
             <a:avLst/>
@@ -3705,7 +3707,7 @@
             <a:fld id="{DA3380A9-99D8-412F-8F98-2C2792A83619}" type="datetime1">
               <a:rPr lang="en-US" smtClean="0"/>
               <a:pPr/>
-              <a:t>8/1/2018</a:t>
+              <a:t>8/11/2018</a:t>
             </a:fld>
             <a:endParaRPr lang="en-US" dirty="0"/>
           </a:p>
@@ -3831,12 +3833,55 @@
           </a:fontRef>
         </p:style>
       </p:cxnSp>
+      <p:pic>
+        <p:nvPicPr>
+          <p:cNvPr id="10" name="Picture 9" descr="A close up of a sign&#10;&#10;Description generated with very high confidence">
+            <a:extLst>
+              <a:ext uri="{FF2B5EF4-FFF2-40B4-BE49-F238E27FC236}">
+                <a16:creationId xmlns:a16="http://schemas.microsoft.com/office/drawing/2014/main" id="{6D9D6532-6138-406D-8115-7BAFD8D73FEB}"/>
+              </a:ext>
+            </a:extLst>
+          </p:cNvPr>
+          <p:cNvPicPr>
+            <a:picLocks noChangeAspect="1"/>
+          </p:cNvPicPr>
+          <p:nvPr/>
+        </p:nvPicPr>
+        <p:blipFill>
+          <a:blip r:embed="rId16">
+            <a:duotone>
+              <a:schemeClr val="bg2">
+                <a:shade val="45000"/>
+                <a:satMod val="135000"/>
+              </a:schemeClr>
+              <a:prstClr val="white"/>
+            </a:duotone>
+            <a:extLst>
+              <a:ext uri="{28A0092B-C50C-407E-A947-70E740481C1C}">
+                <a14:useLocalDpi xmlns:a14="http://schemas.microsoft.com/office/drawing/2010/main" val="0"/>
+              </a:ext>
+            </a:extLst>
+          </a:blip>
+          <a:stretch>
+            <a:fillRect/>
+          </a:stretch>
+        </p:blipFill>
+        <p:spPr>
+          <a:xfrm>
+            <a:off x="10634133" y="96294"/>
+            <a:ext cx="1165981" cy="1229580"/>
+          </a:xfrm>
+          <a:prstGeom prst="rect">
+            <a:avLst/>
+          </a:prstGeom>
+        </p:spPr>
+      </p:pic>
       <p:cxnSp>
         <p:nvCxnSpPr>
-          <p:cNvPr id="10" name="Straight Connector 9">
+          <p:cNvPr id="11" name="Straight Connector 10">
             <a:extLst>
               <a:ext uri="{FF2B5EF4-FFF2-40B4-BE49-F238E27FC236}">
-                <a16:creationId xmlns:a16="http://schemas.microsoft.com/office/drawing/2014/main" id="{E69CBA9A-2BEE-4E91-A38D-545675520BC6}"/>
+                <a16:creationId xmlns:a16="http://schemas.microsoft.com/office/drawing/2014/main" id="{2E06C2AB-4BF6-4150-BA42-68E544B79221}"/>
               </a:ext>
             </a:extLst>
           </p:cNvPr>
@@ -3875,24 +3920,24 @@
     </p:spTree>
     <p:extLst>
       <p:ext uri="{BB962C8B-B14F-4D97-AF65-F5344CB8AC3E}">
-        <p14:creationId xmlns:p14="http://schemas.microsoft.com/office/powerpoint/2010/main" val="589592862"/>
+        <p14:creationId xmlns:p14="http://schemas.microsoft.com/office/powerpoint/2010/main" val="978608547"/>
       </p:ext>
     </p:extLst>
   </p:cSld>
   <p:clrMap bg1="lt1" tx1="dk1" bg2="lt2" tx2="dk2" accent1="accent1" accent2="accent2" accent3="accent3" accent4="accent4" accent5="accent5" accent6="accent6" hlink="hlink" folHlink="folHlink"/>
   <p:sldLayoutIdLst>
-    <p:sldLayoutId id="2147483662" r:id="rId1"/>
-    <p:sldLayoutId id="2147483663" r:id="rId2"/>
-    <p:sldLayoutId id="2147483664" r:id="rId3"/>
-    <p:sldLayoutId id="2147483665" r:id="rId4"/>
-    <p:sldLayoutId id="2147483666" r:id="rId5"/>
-    <p:sldLayoutId id="2147483667" r:id="rId6"/>
-    <p:sldLayoutId id="2147483668" r:id="rId7"/>
-    <p:sldLayoutId id="2147483669" r:id="rId8"/>
-    <p:sldLayoutId id="2147483670" r:id="rId9"/>
-    <p:sldLayoutId id="2147483671" r:id="rId10"/>
-    <p:sldLayoutId id="2147483672" r:id="rId11"/>
-    <p:sldLayoutId id="2147483673" r:id="rId12"/>
+    <p:sldLayoutId id="2147483675" r:id="rId1"/>
+    <p:sldLayoutId id="2147483676" r:id="rId2"/>
+    <p:sldLayoutId id="2147483677" r:id="rId3"/>
+    <p:sldLayoutId id="2147483678" r:id="rId4"/>
+    <p:sldLayoutId id="2147483679" r:id="rId5"/>
+    <p:sldLayoutId id="2147483680" r:id="rId6"/>
+    <p:sldLayoutId id="2147483681" r:id="rId7"/>
+    <p:sldLayoutId id="2147483682" r:id="rId8"/>
+    <p:sldLayoutId id="2147483683" r:id="rId9"/>
+    <p:sldLayoutId id="2147483684" r:id="rId10"/>
+    <p:sldLayoutId id="2147483685" r:id="rId11"/>
+    <p:sldLayoutId id="2147483686" r:id="rId12"/>
   </p:sldLayoutIdLst>
   <p:hf hdr="0"/>
   <p:txStyles>
@@ -4495,8 +4540,8 @@
         </p:blipFill>
         <p:spPr>
           <a:xfrm>
-            <a:off x="6172200" y="2172494"/>
-            <a:ext cx="5181600" cy="3657599"/>
+            <a:off x="6172200" y="1947256"/>
+            <a:ext cx="5468938" cy="3860426"/>
           </a:xfrm>
           <a:prstGeom prst="rect">
             <a:avLst/>
@@ -4520,7 +4565,7 @@
           <a:p>
             <a:fld id="{E7244459-F2A5-4FF9-8125-3DD79827DEF5}" type="datetime1">
               <a:rPr lang="en-US" smtClean="0"/>
-              <a:t>8/1/2018</a:t>
+              <a:t>8/11/2018</a:t>
             </a:fld>
             <a:endParaRPr lang="en-US" dirty="0"/>
           </a:p>
@@ -4747,7 +4792,7 @@
           <a:p>
             <a:fld id="{E7244459-F2A5-4FF9-8125-3DD79827DEF5}" type="datetime1">
               <a:rPr lang="en-US" smtClean="0"/>
-              <a:t>8/1/2018</a:t>
+              <a:t>8/11/2018</a:t>
             </a:fld>
             <a:endParaRPr lang="en-US" dirty="0"/>
           </a:p>
@@ -4992,8 +5037,8 @@
         </p:blipFill>
         <p:spPr>
           <a:xfrm>
-            <a:off x="6172200" y="2172494"/>
-            <a:ext cx="5181600" cy="3657599"/>
+            <a:off x="6172200" y="1947256"/>
+            <a:ext cx="5468938" cy="3860426"/>
           </a:xfrm>
           <a:prstGeom prst="rect">
             <a:avLst/>
@@ -5017,7 +5062,7 @@
           <a:p>
             <a:fld id="{E7244459-F2A5-4FF9-8125-3DD79827DEF5}" type="datetime1">
               <a:rPr lang="en-US" smtClean="0"/>
-              <a:t>8/1/2018</a:t>
+              <a:t>8/11/2018</a:t>
             </a:fld>
             <a:endParaRPr lang="en-US" dirty="0"/>
           </a:p>
@@ -5283,7 +5328,7 @@
           <a:p>
             <a:fld id="{E7244459-F2A5-4FF9-8125-3DD79827DEF5}" type="datetime1">
               <a:rPr lang="en-US" smtClean="0"/>
-              <a:t>8/1/2018</a:t>
+              <a:t>8/11/2018</a:t>
             </a:fld>
             <a:endParaRPr lang="en-US" dirty="0"/>
           </a:p>
@@ -5643,8 +5688,8 @@
         </p:blipFill>
         <p:spPr>
           <a:xfrm>
-            <a:off x="6172200" y="2172494"/>
-            <a:ext cx="5181600" cy="3657599"/>
+            <a:off x="6172200" y="1947256"/>
+            <a:ext cx="5468938" cy="3860426"/>
           </a:xfrm>
           <a:prstGeom prst="rect">
             <a:avLst/>
@@ -5668,7 +5713,7 @@
           <a:p>
             <a:fld id="{E7244459-F2A5-4FF9-8125-3DD79827DEF5}" type="datetime1">
               <a:rPr lang="en-US" smtClean="0"/>
-              <a:t>8/1/2018</a:t>
+              <a:t>8/11/2018</a:t>
             </a:fld>
             <a:endParaRPr lang="en-US" dirty="0"/>
           </a:p>
@@ -6208,7 +6253,7 @@
           <a:p>
             <a:fld id="{E7244459-F2A5-4FF9-8125-3DD79827DEF5}" type="datetime1">
               <a:rPr lang="en-US" smtClean="0"/>
-              <a:t>8/1/2018</a:t>
+              <a:t>8/11/2018</a:t>
             </a:fld>
             <a:endParaRPr lang="en-US" dirty="0"/>
           </a:p>
@@ -6456,7 +6501,7 @@
           <a:p>
             <a:fld id="{E7244459-F2A5-4FF9-8125-3DD79827DEF5}" type="datetime1">
               <a:rPr lang="en-US" smtClean="0"/>
-              <a:t>8/1/2018</a:t>
+              <a:t>8/11/2018</a:t>
             </a:fld>
             <a:endParaRPr lang="en-US" dirty="0"/>
           </a:p>
@@ -6616,8 +6661,8 @@
         </p:blipFill>
         <p:spPr bwMode="auto">
           <a:xfrm>
-            <a:off x="6172200" y="2361943"/>
-            <a:ext cx="5181600" cy="3278702"/>
+            <a:off x="6172200" y="2147210"/>
+            <a:ext cx="5468938" cy="3460517"/>
           </a:xfrm>
           <a:prstGeom prst="rect">
             <a:avLst/>
@@ -6651,7 +6696,7 @@
           <a:p>
             <a:fld id="{E7244459-F2A5-4FF9-8125-3DD79827DEF5}" type="datetime1">
               <a:rPr lang="en-US" smtClean="0"/>
-              <a:t>8/1/2018</a:t>
+              <a:t>8/11/2018</a:t>
             </a:fld>
             <a:endParaRPr lang="en-US" dirty="0"/>
           </a:p>
@@ -7082,7 +7127,7 @@
           <a:p>
             <a:fld id="{E7244459-F2A5-4FF9-8125-3DD79827DEF5}" type="datetime1">
               <a:rPr lang="en-US" smtClean="0"/>
-              <a:t>8/1/2018</a:t>
+              <a:t>8/11/2018</a:t>
             </a:fld>
             <a:endParaRPr lang="en-US" dirty="0"/>
           </a:p>
@@ -7358,7 +7403,7 @@
           <a:p>
             <a:fld id="{E7244459-F2A5-4FF9-8125-3DD79827DEF5}" type="datetime1">
               <a:rPr lang="en-US" smtClean="0"/>
-              <a:t>8/1/2018</a:t>
+              <a:t>8/11/2018</a:t>
             </a:fld>
             <a:endParaRPr lang="en-US" dirty="0"/>
           </a:p>
@@ -8285,7 +8330,7 @@
             <a:fld id="{13570084-B57A-493D-8A30-572F2D9F55F8}" type="datetime1">
               <a:rPr lang="en-US" smtClean="0"/>
               <a:pPr/>
-              <a:t>8/1/2018</a:t>
+              <a:t>8/11/2018</a:t>
             </a:fld>
             <a:endParaRPr lang="en-US" dirty="0"/>
           </a:p>
@@ -8671,7 +8716,7 @@
           <a:p>
             <a:fld id="{E7244459-F2A5-4FF9-8125-3DD79827DEF5}" type="datetime1">
               <a:rPr lang="en-US" smtClean="0"/>
-              <a:t>8/1/2018</a:t>
+              <a:t>8/11/2018</a:t>
             </a:fld>
             <a:endParaRPr lang="en-US" dirty="0"/>
           </a:p>
@@ -8788,7 +8833,7 @@
         <p:spPr/>
         <p:txBody>
           <a:bodyPr>
-            <a:normAutofit fontScale="92500" lnSpcReduction="20000"/>
+            <a:normAutofit lnSpcReduction="10000"/>
           </a:bodyPr>
           <a:lstStyle/>
           <a:p>
@@ -8821,7 +8866,7 @@
         <p:spPr/>
         <p:txBody>
           <a:bodyPr>
-            <a:normAutofit fontScale="92500" lnSpcReduction="20000"/>
+            <a:normAutofit lnSpcReduction="10000"/>
           </a:bodyPr>
           <a:lstStyle/>
           <a:p>
@@ -8859,7 +8904,7 @@
             <a:fld id="{13570084-B57A-493D-8A30-572F2D9F55F8}" type="datetime1">
               <a:rPr lang="en-US" smtClean="0"/>
               <a:pPr/>
-              <a:t>8/1/2018</a:t>
+              <a:t>8/11/2018</a:t>
             </a:fld>
             <a:endParaRPr lang="en-US" dirty="0"/>
           </a:p>
@@ -9337,7 +9382,7 @@
           <a:p>
             <a:fld id="{E7244459-F2A5-4FF9-8125-3DD79827DEF5}" type="datetime1">
               <a:rPr lang="en-US" smtClean="0"/>
-              <a:t>8/1/2018</a:t>
+              <a:t>8/11/2018</a:t>
             </a:fld>
             <a:endParaRPr lang="en-US" dirty="0"/>
           </a:p>
@@ -9963,8 +10008,8 @@
           </a:p>
         </p:txBody>
       </p:sp>
-      <mc:AlternateContent xmlns:mc="http://schemas.openxmlformats.org/markup-compatibility/2006" xmlns:a14="http://schemas.microsoft.com/office/drawing/2010/main">
-        <mc:Choice Requires="a14">
+      <mc:AlternateContent xmlns:mc="http://schemas.openxmlformats.org/markup-compatibility/2006">
+        <mc:Choice xmlns:a14="http://schemas.microsoft.com/office/drawing/2010/main" Requires="a14">
           <p:sp>
             <p:nvSpPr>
               <p:cNvPr id="3" name="Content Placeholder 2"/>
@@ -9978,7 +10023,7 @@
             <p:spPr/>
             <p:txBody>
               <a:bodyPr>
-                <a:normAutofit fontScale="92500" lnSpcReduction="20000"/>
+                <a:normAutofit fontScale="92500" lnSpcReduction="10000"/>
               </a:bodyPr>
               <a:lstStyle/>
               <a:p>
@@ -10070,7 +10115,7 @@
             </p:txBody>
           </p:sp>
         </mc:Choice>
-        <mc:Fallback xmlns="">
+        <mc:Fallback>
           <p:sp>
             <p:nvSpPr>
               <p:cNvPr id="3" name="Content Placeholder 2"/>
@@ -10085,7 +10130,7 @@
               <a:blipFill>
                 <a:blip r:embed="rId2"/>
                 <a:stretch>
-                  <a:fillRect l="-1882" t="-3501" r="-2588"/>
+                  <a:fillRect l="-1737" t="-2415"/>
                 </a:stretch>
               </a:blipFill>
             </p:spPr>
@@ -10104,8 +10149,8 @@
           </p:sp>
         </mc:Fallback>
       </mc:AlternateContent>
-      <mc:AlternateContent xmlns:mc="http://schemas.openxmlformats.org/markup-compatibility/2006" xmlns:a14="http://schemas.microsoft.com/office/drawing/2010/main">
-        <mc:Choice Requires="a14">
+      <mc:AlternateContent xmlns:mc="http://schemas.openxmlformats.org/markup-compatibility/2006">
+        <mc:Choice xmlns:a14="http://schemas.microsoft.com/office/drawing/2010/main" Requires="a14">
           <p:sp>
             <p:nvSpPr>
               <p:cNvPr id="4" name="Content Placeholder 3"/>
@@ -10119,7 +10164,7 @@
             <p:spPr/>
             <p:txBody>
               <a:bodyPr>
-                <a:normAutofit fontScale="92500" lnSpcReduction="20000"/>
+                <a:normAutofit fontScale="92500" lnSpcReduction="10000"/>
               </a:bodyPr>
               <a:lstStyle/>
               <a:p>
@@ -10531,7 +10576,7 @@
             </p:txBody>
           </p:sp>
         </mc:Choice>
-        <mc:Fallback xmlns="">
+        <mc:Fallback>
           <p:sp>
             <p:nvSpPr>
               <p:cNvPr id="4" name="Content Placeholder 3"/>
@@ -10546,7 +10591,7 @@
               <a:blipFill>
                 <a:blip r:embed="rId3"/>
                 <a:stretch>
-                  <a:fillRect l="-1882" t="-3501"/>
+                  <a:fillRect l="-1670" t="-2415" r="-3341"/>
                 </a:stretch>
               </a:blipFill>
             </p:spPr>
@@ -10582,7 +10627,7 @@
           <a:p>
             <a:fld id="{E7244459-F2A5-4FF9-8125-3DD79827DEF5}" type="datetime1">
               <a:rPr lang="en-US" smtClean="0"/>
-              <a:t>8/1/2018</a:t>
+              <a:t>8/11/2018</a:t>
             </a:fld>
             <a:endParaRPr lang="en-US" dirty="0"/>
           </a:p>
@@ -12161,7 +12206,7 @@
           <a:p>
             <a:fld id="{E7244459-F2A5-4FF9-8125-3DD79827DEF5}" type="datetime1">
               <a:rPr lang="en-US" smtClean="0"/>
-              <a:t>8/1/2018</a:t>
+              <a:t>8/11/2018</a:t>
             </a:fld>
             <a:endParaRPr lang="en-US" dirty="0"/>
           </a:p>
@@ -13266,7 +13311,7 @@
           <a:p>
             <a:fld id="{E7244459-F2A5-4FF9-8125-3DD79827DEF5}" type="datetime1">
               <a:rPr lang="en-US" smtClean="0"/>
-              <a:t>8/1/2018</a:t>
+              <a:t>8/11/2018</a:t>
             </a:fld>
             <a:endParaRPr lang="en-US" dirty="0"/>
           </a:p>
@@ -13447,7 +13492,7 @@
           <a:p>
             <a:fld id="{E7244459-F2A5-4FF9-8125-3DD79827DEF5}" type="datetime1">
               <a:rPr lang="en-US" smtClean="0"/>
-              <a:t>8/1/2018</a:t>
+              <a:t>8/11/2018</a:t>
             </a:fld>
             <a:endParaRPr lang="en-US" dirty="0"/>
           </a:p>
@@ -13564,7 +13609,7 @@
         <p:spPr/>
         <p:txBody>
           <a:bodyPr vert="horz" lIns="91440" tIns="45720" rIns="91440" bIns="45720" rtlCol="0">
-            <a:normAutofit lnSpcReduction="10000"/>
+            <a:normAutofit/>
           </a:bodyPr>
           <a:lstStyle/>
           <a:p>
@@ -13612,7 +13657,7 @@
         <p:spPr/>
         <p:txBody>
           <a:bodyPr vert="horz" lIns="91440" tIns="45720" rIns="91440" bIns="45720" rtlCol="0">
-            <a:normAutofit lnSpcReduction="10000"/>
+            <a:normAutofit/>
           </a:bodyPr>
           <a:lstStyle/>
           <a:p>
@@ -13738,7 +13783,7 @@
           <a:p>
             <a:fld id="{E7244459-F2A5-4FF9-8125-3DD79827DEF5}" type="datetime1">
               <a:rPr lang="en-US" smtClean="0"/>
-              <a:t>8/1/2018</a:t>
+              <a:t>8/11/2018</a:t>
             </a:fld>
             <a:endParaRPr lang="en-US" dirty="0"/>
           </a:p>
@@ -13955,7 +14000,7 @@
           <a:p>
             <a:fld id="{E7244459-F2A5-4FF9-8125-3DD79827DEF5}" type="datetime1">
               <a:rPr lang="en-US" smtClean="0"/>
-              <a:t>8/1/2018</a:t>
+              <a:t>8/11/2018</a:t>
             </a:fld>
             <a:endParaRPr lang="en-US" dirty="0"/>
           </a:p>
@@ -14229,7 +14274,7 @@
           <a:p>
             <a:fld id="{E7244459-F2A5-4FF9-8125-3DD79827DEF5}" type="datetime1">
               <a:rPr lang="en-US" smtClean="0"/>
-              <a:t>8/1/2018</a:t>
+              <a:t>8/11/2018</a:t>
             </a:fld>
             <a:endParaRPr lang="en-US" dirty="0"/>
           </a:p>
@@ -14777,7 +14822,7 @@
           <a:p>
             <a:fld id="{E7244459-F2A5-4FF9-8125-3DD79827DEF5}" type="datetime1">
               <a:rPr lang="en-US" smtClean="0"/>
-              <a:t>8/1/2018</a:t>
+              <a:t>8/11/2018</a:t>
             </a:fld>
             <a:endParaRPr lang="en-US" dirty="0"/>
           </a:p>
@@ -15942,7 +15987,7 @@
           <a:p>
             <a:fld id="{E7244459-F2A5-4FF9-8125-3DD79827DEF5}" type="datetime1">
               <a:rPr lang="en-US" smtClean="0"/>
-              <a:t>8/1/2018</a:t>
+              <a:t>8/11/2018</a:t>
             </a:fld>
             <a:endParaRPr lang="en-US" dirty="0"/>
           </a:p>
@@ -16161,7 +16206,7 @@
           <a:p>
             <a:fld id="{E7244459-F2A5-4FF9-8125-3DD79827DEF5}" type="datetime1">
               <a:rPr lang="en-US" smtClean="0"/>
-              <a:t>8/1/2018</a:t>
+              <a:t>8/11/2018</a:t>
             </a:fld>
             <a:endParaRPr lang="en-US" dirty="0"/>
           </a:p>
@@ -16460,7 +16505,7 @@
           <a:p>
             <a:fld id="{E7244459-F2A5-4FF9-8125-3DD79827DEF5}" type="datetime1">
               <a:rPr lang="en-US" smtClean="0"/>
-              <a:t>8/1/2018</a:t>
+              <a:t>8/11/2018</a:t>
             </a:fld>
             <a:endParaRPr lang="en-US" dirty="0"/>
           </a:p>
@@ -16688,7 +16733,7 @@
           <a:p>
             <a:fld id="{E7244459-F2A5-4FF9-8125-3DD79827DEF5}" type="datetime1">
               <a:rPr lang="en-US" smtClean="0"/>
-              <a:t>8/1/2018</a:t>
+              <a:t>8/11/2018</a:t>
             </a:fld>
             <a:endParaRPr lang="en-US" dirty="0"/>
           </a:p>
@@ -16905,7 +16950,7 @@
           <a:p>
             <a:fld id="{E7244459-F2A5-4FF9-8125-3DD79827DEF5}" type="datetime1">
               <a:rPr lang="en-US" smtClean="0"/>
-              <a:t>8/1/2018</a:t>
+              <a:t>8/11/2018</a:t>
             </a:fld>
             <a:endParaRPr lang="en-US" dirty="0"/>
           </a:p>
@@ -17168,7 +17213,7 @@
           <a:p>
             <a:fld id="{E7244459-F2A5-4FF9-8125-3DD79827DEF5}" type="datetime1">
               <a:rPr lang="en-US" smtClean="0"/>
-              <a:t>8/1/2018</a:t>
+              <a:t>8/11/2018</a:t>
             </a:fld>
             <a:endParaRPr lang="en-US" dirty="0"/>
           </a:p>
@@ -17355,7 +17400,7 @@
           <a:p>
             <a:fld id="{E7244459-F2A5-4FF9-8125-3DD79827DEF5}" type="datetime1">
               <a:rPr lang="en-US" smtClean="0"/>
-              <a:t>8/1/2018</a:t>
+              <a:t>8/11/2018</a:t>
             </a:fld>
             <a:endParaRPr lang="en-US" dirty="0"/>
           </a:p>
@@ -17659,7 +17704,7 @@
           <a:p>
             <a:fld id="{E7244459-F2A5-4FF9-8125-3DD79827DEF5}" type="datetime1">
               <a:rPr lang="en-US" smtClean="0"/>
-              <a:t>8/1/2018</a:t>
+              <a:t>8/11/2018</a:t>
             </a:fld>
             <a:endParaRPr lang="en-US" dirty="0"/>
           </a:p>
@@ -17857,7 +17902,7 @@
           <a:p>
             <a:fld id="{E7244459-F2A5-4FF9-8125-3DD79827DEF5}" type="datetime1">
               <a:rPr lang="en-US" smtClean="0"/>
-              <a:t>8/1/2018</a:t>
+              <a:t>8/11/2018</a:t>
             </a:fld>
             <a:endParaRPr lang="en-US" dirty="0"/>
           </a:p>
@@ -18044,7 +18089,7 @@
           <a:p>
             <a:fld id="{E7244459-F2A5-4FF9-8125-3DD79827DEF5}" type="datetime1">
               <a:rPr lang="en-US" smtClean="0"/>
-              <a:t>8/1/2018</a:t>
+              <a:t>8/11/2018</a:t>
             </a:fld>
             <a:endParaRPr lang="en-US" dirty="0"/>
           </a:p>
@@ -18714,7 +18759,7 @@
           <a:p>
             <a:fld id="{E7244459-F2A5-4FF9-8125-3DD79827DEF5}" type="datetime1">
               <a:rPr lang="en-US" smtClean="0"/>
-              <a:t>8/1/2018</a:t>
+              <a:t>8/11/2018</a:t>
             </a:fld>
             <a:endParaRPr lang="en-US" dirty="0"/>
           </a:p>
@@ -18865,8 +18910,8 @@
         </p:blipFill>
         <p:spPr>
           <a:xfrm>
-            <a:off x="6172200" y="2172494"/>
-            <a:ext cx="5181600" cy="3657599"/>
+            <a:off x="6172200" y="1947256"/>
+            <a:ext cx="5468938" cy="3860426"/>
           </a:xfrm>
           <a:prstGeom prst="rect">
             <a:avLst/>
@@ -18890,7 +18935,7 @@
           <a:p>
             <a:fld id="{E7244459-F2A5-4FF9-8125-3DD79827DEF5}" type="datetime1">
               <a:rPr lang="en-US" smtClean="0"/>
-              <a:t>8/1/2018</a:t>
+              <a:t>8/11/2018</a:t>
             </a:fld>
             <a:endParaRPr lang="en-US" dirty="0"/>
           </a:p>
@@ -19041,8 +19086,8 @@
         </p:blipFill>
         <p:spPr>
           <a:xfrm>
-            <a:off x="6172200" y="2172494"/>
-            <a:ext cx="5181600" cy="3657599"/>
+            <a:off x="6172200" y="1947256"/>
+            <a:ext cx="5468938" cy="3860426"/>
           </a:xfrm>
           <a:prstGeom prst="rect">
             <a:avLst/>
@@ -19066,7 +19111,7 @@
           <a:p>
             <a:fld id="{E7244459-F2A5-4FF9-8125-3DD79827DEF5}" type="datetime1">
               <a:rPr lang="en-US" smtClean="0"/>
-              <a:t>8/1/2018</a:t>
+              <a:t>8/11/2018</a:t>
             </a:fld>
             <a:endParaRPr lang="en-US" dirty="0"/>
           </a:p>
@@ -19217,8 +19262,8 @@
         </p:blipFill>
         <p:spPr>
           <a:xfrm>
-            <a:off x="6172200" y="2172494"/>
-            <a:ext cx="5181600" cy="3657599"/>
+            <a:off x="6172200" y="1947256"/>
+            <a:ext cx="5468938" cy="3860426"/>
           </a:xfrm>
           <a:prstGeom prst="rect">
             <a:avLst/>
@@ -19242,7 +19287,7 @@
           <a:p>
             <a:fld id="{E7244459-F2A5-4FF9-8125-3DD79827DEF5}" type="datetime1">
               <a:rPr lang="en-US" smtClean="0"/>
-              <a:t>8/1/2018</a:t>
+              <a:t>8/11/2018</a:t>
             </a:fld>
             <a:endParaRPr lang="en-US" dirty="0"/>
           </a:p>
@@ -19393,8 +19438,8 @@
         </p:blipFill>
         <p:spPr>
           <a:xfrm>
-            <a:off x="6172200" y="2172494"/>
-            <a:ext cx="5181600" cy="3657599"/>
+            <a:off x="6172200" y="1947256"/>
+            <a:ext cx="5468938" cy="3860426"/>
           </a:xfrm>
           <a:prstGeom prst="rect">
             <a:avLst/>
@@ -19418,7 +19463,7 @@
           <a:p>
             <a:fld id="{E7244459-F2A5-4FF9-8125-3DD79827DEF5}" type="datetime1">
               <a:rPr lang="en-US" smtClean="0"/>
-              <a:t>8/1/2018</a:t>
+              <a:t>8/11/2018</a:t>
             </a:fld>
             <a:endParaRPr lang="en-US" dirty="0"/>
           </a:p>
@@ -19535,7 +19580,7 @@
         <p:spPr/>
         <p:txBody>
           <a:bodyPr>
-            <a:normAutofit fontScale="92500" lnSpcReduction="20000"/>
+            <a:normAutofit fontScale="92500"/>
           </a:bodyPr>
           <a:lstStyle/>
           <a:p>
@@ -19571,7 +19616,7 @@
         <p:spPr/>
         <p:txBody>
           <a:bodyPr>
-            <a:normAutofit fontScale="92500" lnSpcReduction="20000"/>
+            <a:normAutofit fontScale="92500"/>
           </a:bodyPr>
           <a:lstStyle/>
           <a:p>
@@ -19651,7 +19696,7 @@
           <a:p>
             <a:fld id="{E7244459-F2A5-4FF9-8125-3DD79827DEF5}" type="datetime1">
               <a:rPr lang="en-US" smtClean="0"/>
-              <a:t>8/1/2018</a:t>
+              <a:t>8/11/2018</a:t>
             </a:fld>
             <a:endParaRPr lang="en-US" dirty="0"/>
           </a:p>
@@ -20013,7 +20058,7 @@
           <a:p>
             <a:fld id="{E7244459-F2A5-4FF9-8125-3DD79827DEF5}" type="datetime1">
               <a:rPr lang="en-US" smtClean="0"/>
-              <a:t>8/1/2018</a:t>
+              <a:t>8/11/2018</a:t>
             </a:fld>
             <a:endParaRPr lang="en-US" dirty="0"/>
           </a:p>
@@ -20419,7 +20464,7 @@
           <a:p>
             <a:fld id="{E7244459-F2A5-4FF9-8125-3DD79827DEF5}" type="datetime1">
               <a:rPr lang="en-US" smtClean="0"/>
-              <a:t>8/1/2018</a:t>
+              <a:t>8/11/2018</a:t>
             </a:fld>
             <a:endParaRPr lang="en-US" dirty="0"/>
           </a:p>
@@ -20759,7 +20804,7 @@
           <a:p>
             <a:fld id="{E7244459-F2A5-4FF9-8125-3DD79827DEF5}" type="datetime1">
               <a:rPr lang="en-US" smtClean="0"/>
-              <a:t>8/1/2018</a:t>
+              <a:t>8/11/2018</a:t>
             </a:fld>
             <a:endParaRPr lang="en-US" dirty="0"/>
           </a:p>
@@ -20990,7 +21035,7 @@
           <a:p>
             <a:fld id="{E7244459-F2A5-4FF9-8125-3DD79827DEF5}" type="datetime1">
               <a:rPr lang="en-US" smtClean="0"/>
-              <a:t>8/1/2018</a:t>
+              <a:t>8/11/2018</a:t>
             </a:fld>
             <a:endParaRPr lang="en-US" dirty="0"/>
           </a:p>
@@ -21226,7 +21271,7 @@
             <a:fld id="{13570084-B57A-493D-8A30-572F2D9F55F8}" type="datetime1">
               <a:rPr lang="en-US" smtClean="0"/>
               <a:pPr/>
-              <a:t>8/1/2018</a:t>
+              <a:t>8/11/2018</a:t>
             </a:fld>
             <a:endParaRPr lang="en-US" dirty="0"/>
           </a:p>
@@ -21342,8 +21387,8 @@
           </a:p>
         </p:txBody>
       </p:sp>
-      <mc:AlternateContent xmlns:mc="http://schemas.openxmlformats.org/markup-compatibility/2006" xmlns:a14="http://schemas.microsoft.com/office/drawing/2010/main">
-        <mc:Choice Requires="a14">
+      <mc:AlternateContent xmlns:mc="http://schemas.openxmlformats.org/markup-compatibility/2006">
+        <mc:Choice xmlns:a14="http://schemas.microsoft.com/office/drawing/2010/main" Requires="a14">
           <p:sp>
             <p:nvSpPr>
               <p:cNvPr id="4" name="Content Placeholder 3"/>
@@ -21357,7 +21402,7 @@
             <p:spPr/>
             <p:txBody>
               <a:bodyPr>
-                <a:normAutofit lnSpcReduction="10000"/>
+                <a:normAutofit/>
               </a:bodyPr>
               <a:lstStyle/>
               <a:p>
@@ -21875,7 +21920,7 @@
             </p:txBody>
           </p:sp>
         </mc:Choice>
-        <mc:Fallback xmlns="">
+        <mc:Fallback>
           <p:sp>
             <p:nvSpPr>
               <p:cNvPr id="4" name="Content Placeholder 3"/>
@@ -21890,7 +21935,7 @@
               <a:blipFill>
                 <a:blip r:embed="rId2"/>
                 <a:stretch>
-                  <a:fillRect l="-963" t="-2861"/>
+                  <a:fillRect l="-963" t="-1925"/>
                 </a:stretch>
               </a:blipFill>
             </p:spPr>
@@ -21926,7 +21971,7 @@
           <a:p>
             <a:fld id="{E7244459-F2A5-4FF9-8125-3DD79827DEF5}" type="datetime1">
               <a:rPr lang="en-US" smtClean="0"/>
-              <a:t>8/1/2018</a:t>
+              <a:t>8/11/2018</a:t>
             </a:fld>
             <a:endParaRPr lang="en-US" dirty="0"/>
           </a:p>
@@ -22080,8 +22125,8 @@
         </p:blipFill>
         <p:spPr bwMode="auto">
           <a:xfrm>
-            <a:off x="6172200" y="2388934"/>
-            <a:ext cx="5181600" cy="3224719"/>
+            <a:off x="6172200" y="2175698"/>
+            <a:ext cx="5468938" cy="3403541"/>
           </a:xfrm>
           <a:prstGeom prst="rect">
             <a:avLst/>
@@ -22115,7 +22160,7 @@
           <a:p>
             <a:fld id="{E7244459-F2A5-4FF9-8125-3DD79827DEF5}" type="datetime1">
               <a:rPr lang="en-US" smtClean="0"/>
-              <a:t>8/1/2018</a:t>
+              <a:t>8/11/2018</a:t>
             </a:fld>
             <a:endParaRPr lang="en-US" dirty="0"/>
           </a:p>
@@ -22763,7 +22808,7 @@
           <a:p>
             <a:fld id="{E7244459-F2A5-4FF9-8125-3DD79827DEF5}" type="datetime1">
               <a:rPr lang="en-US" smtClean="0"/>
-              <a:t>8/1/2018</a:t>
+              <a:t>8/11/2018</a:t>
             </a:fld>
             <a:endParaRPr lang="en-US" dirty="0"/>
           </a:p>
@@ -23464,7 +23509,7 @@
           <a:p>
             <a:fld id="{E7244459-F2A5-4FF9-8125-3DD79827DEF5}" type="datetime1">
               <a:rPr lang="en-US" smtClean="0"/>
-              <a:t>8/1/2018</a:t>
+              <a:t>8/11/2018</a:t>
             </a:fld>
             <a:endParaRPr lang="en-US" dirty="0"/>
           </a:p>
@@ -23742,7 +23787,7 @@
           <a:p>
             <a:fld id="{E7244459-F2A5-4FF9-8125-3DD79827DEF5}" type="datetime1">
               <a:rPr lang="en-US" smtClean="0"/>
-              <a:t>8/1/2018</a:t>
+              <a:t>8/11/2018</a:t>
             </a:fld>
             <a:endParaRPr lang="en-US" dirty="0"/>
           </a:p>
@@ -24062,7 +24107,7 @@
   <a:extraClrSchemeLst/>
   <a:extLst>
     <a:ext uri="{05A4C25C-085E-4340-85A3-A5531E510DB2}">
-      <thm15:themeFamily xmlns:thm15="http://schemas.microsoft.com/office/thememl/2012/main" name="Lesson 12 - Data Analytics - GLMs" id="{2D671843-01B0-4809-83B7-DCD6022711AC}" vid="{631529AC-459A-4F8A-9050-54C0368E42C7}"/>
+      <thm15:themeFamily xmlns:thm15="http://schemas.microsoft.com/office/thememl/2012/main" name="Analytics_World" id="{0D0CA6F4-4249-491F-90A1-38D2E759BAFB}" vid="{73C02A8C-8EF0-4E7B-9EF2-CA7EFEB1E564}"/>
     </a:ext>
   </a:extLst>
 </a:theme>
